--- a/Project-Pacemaker/Project Final Version/Presentation/Intelligent_Wirelessly_powered_pacemaker_JB.pptx
+++ b/Project-Pacemaker/Project Final Version/Presentation/Intelligent_Wirelessly_powered_pacemaker_JB.pptx
@@ -5,10 +5,10 @@
     <p:sldMasterId id="2147483648" r:id="rId1"/>
   </p:sldMasterIdLst>
   <p:notesMasterIdLst>
-    <p:notesMasterId r:id="rId12"/>
+    <p:notesMasterId r:id="rId13"/>
   </p:notesMasterIdLst>
   <p:handoutMasterIdLst>
-    <p:handoutMasterId r:id="rId13"/>
+    <p:handoutMasterId r:id="rId14"/>
   </p:handoutMasterIdLst>
   <p:sldIdLst>
     <p:sldId id="256" r:id="rId2"/>
@@ -21,6 +21,7 @@
     <p:sldId id="259" r:id="rId9"/>
     <p:sldId id="270" r:id="rId10"/>
     <p:sldId id="261" r:id="rId11"/>
+    <p:sldId id="271" r:id="rId12"/>
   </p:sldIdLst>
   <p:sldSz cx="12192000" cy="6858000"/>
   <p:notesSz cx="6858000" cy="9144000"/>
@@ -223,7 +224,7 @@
           <a:p>
             <a:fld id="{043B725B-653D-4166-A8E9-72A38A1847CF}" type="datetimeFigureOut">
               <a:rPr lang="en-US"/>
-              <a:t>6/10/2022</a:t>
+              <a:t>6/20/2022</a:t>
             </a:fld>
             <a:endParaRPr/>
           </a:p>
@@ -388,7 +389,7 @@
           <a:p>
             <a:fld id="{783F64CD-0576-4A9A-BD06-7889D6E60BDC}" type="datetimeFigureOut">
               <a:rPr lang="en-US"/>
-              <a:t>6/10/2022</a:t>
+              <a:t>6/20/2022</a:t>
             </a:fld>
             <a:endParaRPr/>
           </a:p>
@@ -4232,6 +4233,168 @@
 </p:sld>
 </file>
 
+<file path=ppt/slides/slide11.xml><?xml version="1.0" encoding="utf-8"?>
+<p:sld xmlns:a="http://schemas.openxmlformats.org/drawingml/2006/main" xmlns:r="http://schemas.openxmlformats.org/officeDocument/2006/relationships" xmlns:p="http://schemas.openxmlformats.org/presentationml/2006/main">
+  <p:cSld>
+    <p:spTree>
+      <p:nvGrpSpPr>
+        <p:cNvPr id="1" name=""/>
+        <p:cNvGrpSpPr/>
+        <p:nvPr/>
+      </p:nvGrpSpPr>
+      <p:grpSpPr>
+        <a:xfrm>
+          <a:off x="0" y="0"/>
+          <a:ext cx="0" cy="0"/>
+          <a:chOff x="0" y="0"/>
+          <a:chExt cx="0" cy="0"/>
+        </a:xfrm>
+      </p:grpSpPr>
+      <p:sp>
+        <p:nvSpPr>
+          <p:cNvPr id="2" name="Title 1">
+            <a:extLst>
+              <a:ext uri="{FF2B5EF4-FFF2-40B4-BE49-F238E27FC236}">
+                <a16:creationId xmlns:a16="http://schemas.microsoft.com/office/drawing/2014/main" id="{6C8ABC84-A8B0-0878-8FE6-CBABB0894721}"/>
+              </a:ext>
+            </a:extLst>
+          </p:cNvPr>
+          <p:cNvSpPr>
+            <a:spLocks noGrp="1"/>
+          </p:cNvSpPr>
+          <p:nvPr>
+            <p:ph type="title"/>
+          </p:nvPr>
+        </p:nvSpPr>
+        <p:spPr/>
+        <p:txBody>
+          <a:bodyPr/>
+          <a:lstStyle/>
+          <a:p>
+            <a:r>
+              <a:rPr lang="fr-FR" dirty="0"/>
+              <a:t>Sources</a:t>
+            </a:r>
+          </a:p>
+        </p:txBody>
+      </p:sp>
+      <p:sp>
+        <p:nvSpPr>
+          <p:cNvPr id="3" name="Slide Number Placeholder 2">
+            <a:extLst>
+              <a:ext uri="{FF2B5EF4-FFF2-40B4-BE49-F238E27FC236}">
+                <a16:creationId xmlns:a16="http://schemas.microsoft.com/office/drawing/2014/main" id="{6144ADCE-AC4B-C82F-584D-B438EE91001C}"/>
+              </a:ext>
+            </a:extLst>
+          </p:cNvPr>
+          <p:cNvSpPr>
+            <a:spLocks noGrp="1"/>
+          </p:cNvSpPr>
+          <p:nvPr>
+            <p:ph type="sldNum" sz="quarter" idx="12"/>
+          </p:nvPr>
+        </p:nvSpPr>
+        <p:spPr/>
+        <p:txBody>
+          <a:bodyPr/>
+          <a:lstStyle/>
+          <a:p>
+            <a:fld id="{E31375A4-56A4-47D6-9801-1991572033F7}" type="slidenum">
+              <a:rPr lang="fr-FR" smtClean="0"/>
+              <a:t>11</a:t>
+            </a:fld>
+            <a:endParaRPr lang="fr-FR"/>
+          </a:p>
+        </p:txBody>
+      </p:sp>
+      <p:sp>
+        <p:nvSpPr>
+          <p:cNvPr id="4" name="TextBox 3">
+            <a:extLst>
+              <a:ext uri="{FF2B5EF4-FFF2-40B4-BE49-F238E27FC236}">
+                <a16:creationId xmlns:a16="http://schemas.microsoft.com/office/drawing/2014/main" id="{171DB0BD-4BA0-8915-379D-0CF1259F1A30}"/>
+              </a:ext>
+            </a:extLst>
+          </p:cNvPr>
+          <p:cNvSpPr txBox="1"/>
+          <p:nvPr/>
+        </p:nvSpPr>
+        <p:spPr>
+          <a:xfrm>
+            <a:off x="533400" y="2057400"/>
+            <a:ext cx="11201400" cy="1703543"/>
+          </a:xfrm>
+          <a:prstGeom prst="rect">
+            <a:avLst/>
+          </a:prstGeom>
+          <a:noFill/>
+        </p:spPr>
+        <p:txBody>
+          <a:bodyPr wrap="square" rtlCol="0">
+            <a:spAutoFit/>
+          </a:bodyPr>
+          <a:lstStyle/>
+          <a:p>
+            <a:pPr algn="l">
+              <a:lnSpc>
+                <a:spcPct val="150000"/>
+              </a:lnSpc>
+            </a:pPr>
+            <a:r>
+              <a:rPr lang="fr-FR" dirty="0"/>
+              <a:t>[1]: </a:t>
+            </a:r>
+            <a:r>
+              <a:rPr lang="fr-FR" sz="1800" b="0" i="0" u="none" strike="noStrike" baseline="0" dirty="0">
+                <a:solidFill>
+                  <a:srgbClr val="000000"/>
+                </a:solidFill>
+                <a:latin typeface="+mj-lt"/>
+              </a:rPr>
+              <a:t>Hongming Lyu , Mathews John, David Burkland, BrianGreet, Allison Post, Aydin Babakhani, Mehdi Razavi, “Synchronized Biventricular Heart Pacing in a Closed-chest Porcine Model based on Wirelessly Powered Leadless Pacemakers”, Feb. 2020 [Online]. Available: https://www.nature.com/articles/s41598-020-59017-z.pdf </a:t>
+            </a:r>
+            <a:endParaRPr lang="fr-FR" dirty="0">
+              <a:latin typeface="+mj-lt"/>
+            </a:endParaRPr>
+          </a:p>
+          <a:p>
+            <a:pPr>
+              <a:lnSpc>
+                <a:spcPct val="150000"/>
+              </a:lnSpc>
+            </a:pPr>
+            <a:r>
+              <a:rPr lang="fr-FR" dirty="0"/>
+              <a:t>[2]: medtronic.com</a:t>
+            </a:r>
+          </a:p>
+        </p:txBody>
+      </p:sp>
+    </p:spTree>
+    <p:extLst>
+      <p:ext uri="{BB962C8B-B14F-4D97-AF65-F5344CB8AC3E}">
+        <p14:creationId xmlns:p14="http://schemas.microsoft.com/office/powerpoint/2010/main" val="4062162236"/>
+      </p:ext>
+    </p:extLst>
+  </p:cSld>
+  <p:clrMapOvr>
+    <a:masterClrMapping/>
+  </p:clrMapOvr>
+  <mc:AlternateContent xmlns:mc="http://schemas.openxmlformats.org/markup-compatibility/2006" xmlns:p14="http://schemas.microsoft.com/office/powerpoint/2010/main">
+    <mc:Choice Requires="p14">
+      <p:transition spd="med" p14:dur="700">
+        <p:fade/>
+      </p:transition>
+    </mc:Choice>
+    <mc:Fallback xmlns="">
+      <p:transition spd="med">
+        <p:fade/>
+      </p:transition>
+    </mc:Fallback>
+  </mc:AlternateContent>
+</p:sld>
+</file>
+
 <file path=ppt/slides/slide2.xml><?xml version="1.0" encoding="utf-8"?>
 <p:sld xmlns:a="http://schemas.openxmlformats.org/drawingml/2006/main" xmlns:r="http://schemas.openxmlformats.org/officeDocument/2006/relationships" xmlns:p="http://schemas.openxmlformats.org/presentationml/2006/main">
   <p:cSld>
@@ -4355,7 +4518,7 @@
         </p:blipFill>
         <p:spPr>
           <a:xfrm>
-            <a:off x="6629400" y="1774331"/>
+            <a:off x="6602186" y="1742743"/>
             <a:ext cx="5334000" cy="2544327"/>
           </a:xfrm>
         </p:spPr>
@@ -4388,7 +4551,7 @@
         </p:blipFill>
         <p:spPr>
           <a:xfrm>
-            <a:off x="9055875" y="4324017"/>
+            <a:off x="9055875" y="4400217"/>
             <a:ext cx="2907525" cy="1715165"/>
           </a:xfrm>
           <a:prstGeom prst="rect">
@@ -4423,7 +4586,7 @@
         </p:blipFill>
         <p:spPr>
           <a:xfrm>
-            <a:off x="6629400" y="4324017"/>
+            <a:off x="6629400" y="4394858"/>
             <a:ext cx="2426475" cy="1720524"/>
           </a:xfrm>
           <a:prstGeom prst="rect">
@@ -4492,6 +4655,76 @@
               <a:t>2</a:t>
             </a:fld>
             <a:endParaRPr lang="fr-FR" dirty="0"/>
+          </a:p>
+        </p:txBody>
+      </p:sp>
+      <p:sp>
+        <p:nvSpPr>
+          <p:cNvPr id="4" name="TextBox 3">
+            <a:extLst>
+              <a:ext uri="{FF2B5EF4-FFF2-40B4-BE49-F238E27FC236}">
+                <a16:creationId xmlns:a16="http://schemas.microsoft.com/office/drawing/2014/main" id="{035AA6D8-93F2-1E0D-367B-77852DE1721C}"/>
+              </a:ext>
+            </a:extLst>
+          </p:cNvPr>
+          <p:cNvSpPr txBox="1"/>
+          <p:nvPr/>
+        </p:nvSpPr>
+        <p:spPr>
+          <a:xfrm>
+            <a:off x="11658600" y="4114800"/>
+            <a:ext cx="533400" cy="369332"/>
+          </a:xfrm>
+          <a:prstGeom prst="rect">
+            <a:avLst/>
+          </a:prstGeom>
+          <a:noFill/>
+        </p:spPr>
+        <p:txBody>
+          <a:bodyPr wrap="square" rtlCol="0">
+            <a:spAutoFit/>
+          </a:bodyPr>
+          <a:lstStyle/>
+          <a:p>
+            <a:r>
+              <a:rPr lang="fr-FR" dirty="0"/>
+              <a:t>[1]</a:t>
+            </a:r>
+          </a:p>
+        </p:txBody>
+      </p:sp>
+      <p:sp>
+        <p:nvSpPr>
+          <p:cNvPr id="11" name="TextBox 10">
+            <a:extLst>
+              <a:ext uri="{FF2B5EF4-FFF2-40B4-BE49-F238E27FC236}">
+                <a16:creationId xmlns:a16="http://schemas.microsoft.com/office/drawing/2014/main" id="{13BA47AB-3C55-996D-E9B8-1CB0989F7C64}"/>
+              </a:ext>
+            </a:extLst>
+          </p:cNvPr>
+          <p:cNvSpPr txBox="1"/>
+          <p:nvPr/>
+        </p:nvSpPr>
+        <p:spPr>
+          <a:xfrm>
+            <a:off x="11658600" y="6031467"/>
+            <a:ext cx="533400" cy="369332"/>
+          </a:xfrm>
+          <a:prstGeom prst="rect">
+            <a:avLst/>
+          </a:prstGeom>
+          <a:noFill/>
+        </p:spPr>
+        <p:txBody>
+          <a:bodyPr wrap="square" rtlCol="0">
+            <a:spAutoFit/>
+          </a:bodyPr>
+          <a:lstStyle/>
+          <a:p>
+            <a:r>
+              <a:rPr lang="fr-FR" dirty="0"/>
+              <a:t>[2]</a:t>
+            </a:r>
           </a:p>
         </p:txBody>
       </p:sp>
@@ -5144,52 +5377,12 @@
           <a:lstStyle/>
           <a:p>
             <a:r>
-              <a:rPr lang="fr-FR" dirty="0" err="1"/>
-              <a:t>Requirements</a:t>
-            </a:r>
-            <a:r>
               <a:rPr lang="fr-FR" dirty="0"/>
-              <a:t> Diagram:</a:t>
-            </a:r>
-          </a:p>
-        </p:txBody>
-      </p:sp>
-      <p:pic>
-        <p:nvPicPr>
-          <p:cNvPr id="5" name="Picture 4" descr="Diagram&#10;&#10;Description automatically generated">
-            <a:extLst>
-              <a:ext uri="{FF2B5EF4-FFF2-40B4-BE49-F238E27FC236}">
-                <a16:creationId xmlns:a16="http://schemas.microsoft.com/office/drawing/2014/main" id="{96193B8D-FE96-45E4-4A1B-4C732841FCE8}"/>
-              </a:ext>
-            </a:extLst>
-          </p:cNvPr>
-          <p:cNvPicPr>
-            <a:picLocks noChangeAspect="1"/>
-          </p:cNvPicPr>
-          <p:nvPr/>
-        </p:nvPicPr>
-        <p:blipFill>
-          <a:blip r:embed="rId2">
-            <a:extLst>
-              <a:ext uri="{28A0092B-C50C-407E-A947-70E740481C1C}">
-                <a14:useLocalDpi xmlns:a14="http://schemas.microsoft.com/office/drawing/2010/main" val="0"/>
-              </a:ext>
-            </a:extLst>
-          </a:blip>
-          <a:stretch>
-            <a:fillRect/>
-          </a:stretch>
-        </p:blipFill>
-        <p:spPr>
-          <a:xfrm>
-            <a:off x="3935896" y="1675077"/>
-            <a:ext cx="7641271" cy="5101396"/>
-          </a:xfrm>
-          <a:prstGeom prst="rect">
-            <a:avLst/>
-          </a:prstGeom>
-        </p:spPr>
-      </p:pic>
+              <a:t>Requirements Diagram:</a:t>
+            </a:r>
+          </a:p>
+        </p:txBody>
+      </p:sp>
       <p:pic>
         <p:nvPicPr>
           <p:cNvPr id="7" name="image2.jpg">
@@ -5203,7 +5396,7 @@
           <p:nvPr/>
         </p:nvPicPr>
         <p:blipFill>
-          <a:blip r:embed="rId3"/>
+          <a:blip r:embed="rId2"/>
           <a:srcRect/>
           <a:stretch>
             <a:fillRect/>
@@ -5254,6 +5447,42 @@
           </a:p>
         </p:txBody>
       </p:sp>
+      <p:pic>
+        <p:nvPicPr>
+          <p:cNvPr id="6" name="Picture 5" descr="Diagram&#10;&#10;Description automatically generated">
+            <a:extLst>
+              <a:ext uri="{FF2B5EF4-FFF2-40B4-BE49-F238E27FC236}">
+                <a16:creationId xmlns:a16="http://schemas.microsoft.com/office/drawing/2014/main" id="{88439C5D-CFBE-4391-5040-0D2ECA51BC06}"/>
+              </a:ext>
+            </a:extLst>
+          </p:cNvPr>
+          <p:cNvPicPr>
+            <a:picLocks noChangeAspect="1"/>
+          </p:cNvPicPr>
+          <p:nvPr/>
+        </p:nvPicPr>
+        <p:blipFill>
+          <a:blip r:embed="rId3">
+            <a:extLst>
+              <a:ext uri="{28A0092B-C50C-407E-A947-70E740481C1C}">
+                <a14:useLocalDpi xmlns:a14="http://schemas.microsoft.com/office/drawing/2010/main" val="0"/>
+              </a:ext>
+            </a:extLst>
+          </a:blip>
+          <a:stretch>
+            <a:fillRect/>
+          </a:stretch>
+        </p:blipFill>
+        <p:spPr>
+          <a:xfrm>
+            <a:off x="4191000" y="1804603"/>
+            <a:ext cx="7292097" cy="4749772"/>
+          </a:xfrm>
+          <a:prstGeom prst="rect">
+            <a:avLst/>
+          </a:prstGeom>
+        </p:spPr>
+      </p:pic>
     </p:spTree>
     <p:extLst>
       <p:ext uri="{BB962C8B-B14F-4D97-AF65-F5344CB8AC3E}">
